--- a/Bachelorarbeit/01_Bachelorarbeit_LaTex/01_Templates/thesistemplate_tumcd/Präsentation.pptx
+++ b/Bachelorarbeit/01_Bachelorarbeit_LaTex/01_Templates/thesistemplate_tumcd/Präsentation.pptx
@@ -10,10 +10,10 @@
     <p:sldMasterId id="2147483697" r:id="rId6"/>
   </p:sldMasterIdLst>
   <p:notesMasterIdLst>
-    <p:notesMasterId r:id="rId32"/>
+    <p:notesMasterId r:id="rId33"/>
   </p:notesMasterIdLst>
   <p:handoutMasterIdLst>
-    <p:handoutMasterId r:id="rId33"/>
+    <p:handoutMasterId r:id="rId34"/>
   </p:handoutMasterIdLst>
   <p:sldIdLst>
     <p:sldId id="355" r:id="rId7"/>
@@ -41,6 +41,7 @@
     <p:sldId id="408" r:id="rId29"/>
     <p:sldId id="409" r:id="rId30"/>
     <p:sldId id="410" r:id="rId31"/>
+    <p:sldId id="412" r:id="rId32"/>
   </p:sldIdLst>
   <p:sldSz cx="9144000" cy="6858000" type="screen4x3"/>
   <p:notesSz cx="9925050" cy="6665913"/>
@@ -9658,34 +9659,10 @@
           <a:lstStyle/>
           <a:p>
             <a:r>
-              <a:rPr lang="de-DE" dirty="0" smtClean="0"/>
-              <a:t>Bit-</a:t>
-            </a:r>
-            <a:r>
-              <a:rPr lang="de-DE" dirty="0" err="1" smtClean="0"/>
-              <a:t>Interleaved</a:t>
-            </a:r>
-            <a:r>
-              <a:rPr lang="de-DE" dirty="0" smtClean="0"/>
-              <a:t> </a:t>
-            </a:r>
-            <a:r>
-              <a:rPr lang="de-DE" dirty="0" err="1" smtClean="0"/>
-              <a:t>Coded</a:t>
-            </a:r>
-            <a:r>
-              <a:rPr lang="de-DE" dirty="0" smtClean="0"/>
-              <a:t> Modulation in </a:t>
-            </a:r>
-            <a:r>
-              <a:rPr lang="de-DE" dirty="0"/>
-              <a:t>F</a:t>
-            </a:r>
-            <a:r>
-              <a:rPr lang="de-DE" dirty="0" smtClean="0"/>
-              <a:t>ading Rayleigh Channel</a:t>
-            </a:r>
-            <a:endParaRPr lang="de-DE" dirty="0"/>
+              <a:rPr lang="en-US" dirty="0" smtClean="0"/>
+              <a:t>Bit-Interleaved Coded Modulation in Fading Rayleigh Channel</a:t>
+            </a:r>
+            <a:endParaRPr lang="en-US" dirty="0"/>
           </a:p>
         </p:txBody>
       </p:sp>
@@ -10371,47 +10348,51 @@
             </a:r>
             <a:r>
               <a:rPr lang="de-DE" sz="2400" dirty="0"/>
-              <a:t> rate, </a:t>
+              <a:t> </a:t>
+            </a:r>
+            <a:r>
+              <a:rPr lang="de-DE" sz="2400" dirty="0" smtClean="0"/>
+              <a:t>rate: </a:t>
             </a:r>
             <a:r>
               <a:rPr lang="de-DE" sz="2400" dirty="0" err="1"/>
-              <a:t>determining</a:t>
+              <a:t>D</a:t>
+            </a:r>
+            <a:r>
+              <a:rPr lang="de-DE" sz="2400" dirty="0" err="1" smtClean="0"/>
+              <a:t>etermining</a:t>
+            </a:r>
+            <a:r>
+              <a:rPr lang="de-DE" sz="2400" dirty="0" smtClean="0"/>
+              <a:t> </a:t>
+            </a:r>
+            <a:r>
+              <a:rPr lang="de-DE" sz="2400" dirty="0" err="1"/>
+              <a:t>the</a:t>
             </a:r>
             <a:r>
               <a:rPr lang="de-DE" sz="2400" dirty="0"/>
               <a:t> </a:t>
             </a:r>
             <a:r>
-              <a:rPr lang="de-DE" sz="2400" dirty="0" err="1"/>
-              <a:t>the</a:t>
-            </a:r>
-            <a:r>
-              <a:rPr lang="de-DE" sz="2400" dirty="0"/>
+              <a:rPr lang="de-DE" sz="2400" dirty="0" err="1" smtClean="0"/>
+              <a:t>sucess</a:t>
+            </a:r>
+            <a:r>
+              <a:rPr lang="de-DE" sz="2400" dirty="0" smtClean="0"/>
+              <a:t> rate </a:t>
+            </a:r>
+            <a:r>
+              <a:rPr lang="de-DE" sz="2400" dirty="0" err="1" smtClean="0"/>
+              <a:t>over</a:t>
+            </a:r>
+            <a:r>
+              <a:rPr lang="de-DE" sz="2400" dirty="0" smtClean="0"/>
               <a:t> </a:t>
             </a:r>
             <a:r>
-              <a:rPr lang="de-DE" sz="2400" dirty="0" err="1"/>
-              <a:t>sucess</a:t>
-            </a:r>
-            <a:r>
-              <a:rPr lang="de-DE" sz="2400" dirty="0"/>
-              <a:t> </a:t>
-            </a:r>
-            <a:r>
-              <a:rPr lang="de-DE" sz="2400" dirty="0" err="1"/>
-              <a:t>over</a:t>
-            </a:r>
-            <a:r>
-              <a:rPr lang="de-DE" sz="2400" dirty="0"/>
-              <a:t> </a:t>
-            </a:r>
-            <a:r>
-              <a:rPr lang="de-DE" sz="2400" dirty="0" err="1"/>
-              <a:t>several</a:t>
-            </a:r>
-            <a:r>
-              <a:rPr lang="de-DE" sz="2400" dirty="0"/>
-              <a:t> </a:t>
+              <a:rPr lang="de-DE" sz="2400" dirty="0" smtClean="0"/>
+              <a:t>all </a:t>
             </a:r>
             <a:r>
               <a:rPr lang="de-DE" sz="2400" dirty="0" err="1" smtClean="0"/>
@@ -14528,8 +14509,8 @@
           </a:p>
         </p:txBody>
       </p:sp>
-      <mc:AlternateContent xmlns:mc="http://schemas.openxmlformats.org/markup-compatibility/2006">
-        <mc:Choice xmlns:a14="http://schemas.microsoft.com/office/drawing/2010/main" Requires="a14">
+      <mc:AlternateContent xmlns:mc="http://schemas.openxmlformats.org/markup-compatibility/2006" xmlns:a14="http://schemas.microsoft.com/office/drawing/2010/main">
+        <mc:Choice Requires="a14">
           <p:sp>
             <p:nvSpPr>
               <p:cNvPr id="4" name="Textplatzhalter 3"/>
@@ -14666,7 +14647,7 @@
             </p:txBody>
           </p:sp>
         </mc:Choice>
-        <mc:Fallback>
+        <mc:Fallback xmlns="">
           <p:sp>
             <p:nvSpPr>
               <p:cNvPr id="4" name="Textplatzhalter 3"/>
@@ -14725,12 +14706,8 @@
           <a:lstStyle/>
           <a:p>
             <a:r>
-              <a:rPr lang="de-DE" dirty="0" err="1" smtClean="0"/>
-              <a:t>Capacity</a:t>
-            </a:r>
-            <a:r>
               <a:rPr lang="de-DE" dirty="0" smtClean="0"/>
-              <a:t> in a Rayleigh Channel</a:t>
+              <a:t>Capacity in a Rayleigh Channel</a:t>
             </a:r>
             <a:endParaRPr lang="de-DE" dirty="0"/>
           </a:p>
@@ -16660,11 +16637,11 @@
   <p:clrMapOvr>
     <a:masterClrMapping/>
   </p:clrMapOvr>
-  <mc:AlternateContent xmlns:mc="http://schemas.openxmlformats.org/markup-compatibility/2006">
-    <mc:Choice xmlns:p14="http://schemas.microsoft.com/office/powerpoint/2010/main" Requires="p14">
+  <mc:AlternateContent xmlns:mc="http://schemas.openxmlformats.org/markup-compatibility/2006" xmlns:p14="http://schemas.microsoft.com/office/powerpoint/2010/main">
+    <mc:Choice Requires="p14">
       <p:transition spd="slow" p14:dur="2000"/>
     </mc:Choice>
-    <mc:Fallback>
+    <mc:Fallback xmlns="">
       <p:transition spd="slow"/>
     </mc:Fallback>
   </mc:AlternateContent>
@@ -17743,12 +17720,8 @@
               <a:buChar char="Ø"/>
             </a:pPr>
             <a:r>
-              <a:rPr lang="de-DE" sz="2400" dirty="0" err="1" smtClean="0"/>
-              <a:t>Capacity</a:t>
-            </a:r>
-            <a:r>
               <a:rPr lang="de-DE" sz="2400" dirty="0" smtClean="0"/>
-              <a:t> in AWGN Channel</a:t>
+              <a:t>Capacity in AWGN Channel</a:t>
             </a:r>
           </a:p>
           <a:p>
@@ -17804,11 +17777,7 @@
             </a:r>
             <a:r>
               <a:rPr lang="de-DE" sz="2400" dirty="0" smtClean="0"/>
-              <a:t>mplementation </a:t>
-            </a:r>
-            <a:r>
-              <a:rPr lang="de-DE" sz="2400" dirty="0" smtClean="0"/>
-              <a:t>for Rayleigh Fading Channel</a:t>
+              <a:t>mplementation for Rayleigh Fading Channel</a:t>
             </a:r>
             <a:endParaRPr sz="2400" dirty="0"/>
           </a:p>
@@ -18528,29 +18497,6 @@
       </p:grpSpPr>
       <p:sp>
         <p:nvSpPr>
-          <p:cNvPr id="2" name="Fußzeilenplatzhalter 1"/>
-          <p:cNvSpPr>
-            <a:spLocks noGrp="1"/>
-          </p:cNvSpPr>
-          <p:nvPr>
-            <p:ph type="ftr" sz="quarter" idx="21"/>
-          </p:nvPr>
-        </p:nvSpPr>
-        <p:spPr/>
-        <p:txBody>
-          <a:bodyPr/>
-          <a:lstStyle/>
-          <a:p>
-            <a:r>
-              <a:rPr lang="en-US" smtClean="0"/>
-              <a:t>Copyright © Infineon Technologies AG 2018. All rights reserved.</a:t>
-            </a:r>
-            <a:endParaRPr lang="en-US"/>
-          </a:p>
-        </p:txBody>
-      </p:sp>
-      <p:sp>
-        <p:nvSpPr>
           <p:cNvPr id="3" name="Foliennummernplatzhalter 2"/>
           <p:cNvSpPr>
             <a:spLocks noGrp="1"/>
@@ -19059,29 +19005,6 @@
           </a:prstGeom>
         </p:spPr>
       </p:pic>
-      <p:sp>
-        <p:nvSpPr>
-          <p:cNvPr id="2" name="Fußzeilenplatzhalter 1"/>
-          <p:cNvSpPr>
-            <a:spLocks noGrp="1"/>
-          </p:cNvSpPr>
-          <p:nvPr>
-            <p:ph type="ftr" sz="quarter" idx="21"/>
-          </p:nvPr>
-        </p:nvSpPr>
-        <p:spPr/>
-        <p:txBody>
-          <a:bodyPr/>
-          <a:lstStyle/>
-          <a:p>
-            <a:r>
-              <a:rPr lang="en-US" smtClean="0"/>
-              <a:t>Copyright © Infineon Technologies AG 2018. All rights reserved.</a:t>
-            </a:r>
-            <a:endParaRPr lang="en-US"/>
-          </a:p>
-        </p:txBody>
-      </p:sp>
       <p:sp>
         <p:nvSpPr>
           <p:cNvPr id="3" name="Foliennummernplatzhalter 2"/>
@@ -20458,29 +20381,6 @@
       </p:grpSpPr>
       <p:sp>
         <p:nvSpPr>
-          <p:cNvPr id="2" name="Fußzeilenplatzhalter 1"/>
-          <p:cNvSpPr>
-            <a:spLocks noGrp="1"/>
-          </p:cNvSpPr>
-          <p:nvPr>
-            <p:ph type="ftr" sz="quarter" idx="21"/>
-          </p:nvPr>
-        </p:nvSpPr>
-        <p:spPr/>
-        <p:txBody>
-          <a:bodyPr/>
-          <a:lstStyle/>
-          <a:p>
-            <a:r>
-              <a:rPr lang="en-US" smtClean="0"/>
-              <a:t>Copyright © Infineon Technologies AG 2018. All rights reserved.</a:t>
-            </a:r>
-            <a:endParaRPr lang="en-US"/>
-          </a:p>
-        </p:txBody>
-      </p:sp>
-      <p:sp>
-        <p:nvSpPr>
           <p:cNvPr id="3" name="Foliennummernplatzhalter 2"/>
           <p:cNvSpPr>
             <a:spLocks noGrp="1"/>
@@ -20858,6 +20758,121 @@
       </p:par>
     </p:tnLst>
   </p:timing>
+</p:sld>
+</file>
+
+<file path=ppt/slides/slide26.xml><?xml version="1.0" encoding="utf-8"?>
+<p:sld xmlns:a="http://schemas.openxmlformats.org/drawingml/2006/main" xmlns:r="http://schemas.openxmlformats.org/officeDocument/2006/relationships" xmlns:p="http://schemas.openxmlformats.org/presentationml/2006/main">
+  <p:cSld>
+    <p:spTree>
+      <p:nvGrpSpPr>
+        <p:cNvPr id="1" name=""/>
+        <p:cNvGrpSpPr/>
+        <p:nvPr/>
+      </p:nvGrpSpPr>
+      <p:grpSpPr>
+        <a:xfrm>
+          <a:off x="0" y="0"/>
+          <a:ext cx="0" cy="0"/>
+          <a:chOff x="0" y="0"/>
+          <a:chExt cx="0" cy="0"/>
+        </a:xfrm>
+      </p:grpSpPr>
+      <p:sp>
+        <p:nvSpPr>
+          <p:cNvPr id="2" name="Fußzeilenplatzhalter 1"/>
+          <p:cNvSpPr>
+            <a:spLocks noGrp="1"/>
+          </p:cNvSpPr>
+          <p:nvPr>
+            <p:ph type="ftr" sz="quarter" idx="13"/>
+          </p:nvPr>
+        </p:nvSpPr>
+        <p:spPr/>
+        <p:txBody>
+          <a:bodyPr/>
+          <a:lstStyle/>
+          <a:p>
+            <a:r>
+              <a:rPr lang="en-US" smtClean="0"/>
+              <a:t>Copyright © Infineon Technologies AG 2018. All rights reserved.</a:t>
+            </a:r>
+            <a:endParaRPr lang="en-US"/>
+          </a:p>
+        </p:txBody>
+      </p:sp>
+      <p:sp>
+        <p:nvSpPr>
+          <p:cNvPr id="3" name="Foliennummernplatzhalter 2"/>
+          <p:cNvSpPr>
+            <a:spLocks noGrp="1"/>
+          </p:cNvSpPr>
+          <p:nvPr>
+            <p:ph type="sldNum" sz="quarter" idx="11"/>
+          </p:nvPr>
+        </p:nvSpPr>
+        <p:spPr/>
+        <p:txBody>
+          <a:bodyPr/>
+          <a:lstStyle/>
+          <a:p>
+            <a:fld id="{B8A77D40-8768-4AA8-8F0A-91A1716C4046}" type="slidenum">
+              <a:rPr lang="en-US" smtClean="0"/>
+              <a:pPr/>
+              <a:t>26</a:t>
+            </a:fld>
+            <a:endParaRPr lang="en-US"/>
+          </a:p>
+        </p:txBody>
+      </p:sp>
+      <p:sp>
+        <p:nvSpPr>
+          <p:cNvPr id="9" name="Inhaltsplatzhalter 8"/>
+          <p:cNvSpPr>
+            <a:spLocks noGrp="1"/>
+          </p:cNvSpPr>
+          <p:nvPr>
+            <p:ph idx="10"/>
+          </p:nvPr>
+        </p:nvSpPr>
+        <p:spPr/>
+        <p:txBody>
+          <a:bodyPr/>
+          <a:lstStyle/>
+          <a:p>
+            <a:endParaRPr lang="de-DE"/>
+          </a:p>
+        </p:txBody>
+      </p:sp>
+      <p:sp>
+        <p:nvSpPr>
+          <p:cNvPr id="8" name="Titel 7"/>
+          <p:cNvSpPr>
+            <a:spLocks noGrp="1"/>
+          </p:cNvSpPr>
+          <p:nvPr>
+            <p:ph type="title"/>
+          </p:nvPr>
+        </p:nvSpPr>
+        <p:spPr/>
+        <p:txBody>
+          <a:bodyPr/>
+          <a:lstStyle/>
+          <a:p>
+            <a:endParaRPr lang="de-DE"/>
+          </a:p>
+        </p:txBody>
+      </p:sp>
+    </p:spTree>
+    <p:extLst>
+      <p:ext uri="{BB962C8B-B14F-4D97-AF65-F5344CB8AC3E}">
+        <p14:creationId xmlns:p14="http://schemas.microsoft.com/office/powerpoint/2010/main" val="1349802181"/>
+      </p:ext>
+    </p:extLst>
+  </p:cSld>
+  <p:clrMapOvr>
+    <a:masterClrMapping/>
+  </p:clrMapOvr>
 </p:sld>
 </file>
 
@@ -20990,7 +21005,7 @@
               <a:pPr/>
               <a:t>4</a:t>
             </a:fld>
-            <a:endParaRPr lang="en-US"/>
+            <a:endParaRPr lang="en-US" dirty="0"/>
           </a:p>
         </p:txBody>
       </p:sp>
@@ -21025,7 +21040,7 @@
               <a:buChar char="•"/>
             </a:pPr>
             <a:r>
-              <a:rPr lang="de-DE" sz="2400" dirty="0" err="1" smtClean="0"/>
+              <a:rPr lang="en-US" sz="2400" dirty="0" smtClean="0"/>
               <a:t>Used</a:t>
             </a:r>
             <a:r>
@@ -21033,7 +21048,7 @@
               <a:t> </a:t>
             </a:r>
             <a:r>
-              <a:rPr lang="de-DE" sz="2400" dirty="0" err="1" smtClean="0"/>
+              <a:rPr lang="en-US" sz="2400" dirty="0" smtClean="0"/>
               <a:t>for</a:t>
             </a:r>
             <a:r>
@@ -21068,10 +21083,9 @@
               <a:t> LDPC </a:t>
             </a:r>
             <a:r>
-              <a:rPr lang="de-DE" sz="2400" dirty="0" err="1" smtClean="0"/>
+              <a:rPr lang="en-US" sz="2400" dirty="0" smtClean="0"/>
               <a:t>used</a:t>
             </a:r>
-            <a:endParaRPr lang="de-DE" sz="2400" dirty="0" smtClean="0"/>
           </a:p>
           <a:p>
             <a:pPr marL="703263" lvl="2" indent="-342900">
@@ -21083,7 +21097,7 @@
               <a:t>Different </a:t>
             </a:r>
             <a:r>
-              <a:rPr lang="de-DE" sz="2400" dirty="0" err="1" smtClean="0"/>
+              <a:rPr lang="en-US" sz="2400" dirty="0" smtClean="0"/>
               <a:t>rates</a:t>
             </a:r>
             <a:r>
@@ -21220,7 +21234,7 @@
               <a:buChar char="•"/>
             </a:pPr>
             <a:r>
-              <a:rPr lang="de-DE" sz="2400" dirty="0" err="1" smtClean="0"/>
+              <a:rPr lang="en-US" sz="2400" dirty="0" smtClean="0"/>
               <a:t>Especially</a:t>
             </a:r>
             <a:r>
@@ -22525,11 +22539,11 @@
   <p:clrMapOvr>
     <a:masterClrMapping/>
   </p:clrMapOvr>
-  <mc:AlternateContent xmlns:mc="http://schemas.openxmlformats.org/markup-compatibility/2006">
-    <mc:Choice xmlns:p14="http://schemas.microsoft.com/office/powerpoint/2010/main" Requires="p14">
+  <mc:AlternateContent xmlns:mc="http://schemas.openxmlformats.org/markup-compatibility/2006" xmlns:p14="http://schemas.microsoft.com/office/powerpoint/2010/main">
+    <mc:Choice Requires="p14">
       <p:transition spd="slow" p14:dur="2000"/>
     </mc:Choice>
-    <mc:Fallback>
+    <mc:Fallback xmlns="">
       <p:transition spd="slow"/>
     </mc:Fallback>
   </mc:AlternateContent>
@@ -22765,11 +22779,11 @@
   <p:clrMapOvr>
     <a:masterClrMapping/>
   </p:clrMapOvr>
-  <mc:AlternateContent xmlns:mc="http://schemas.openxmlformats.org/markup-compatibility/2006">
-    <mc:Choice xmlns:p14="http://schemas.microsoft.com/office/powerpoint/2010/main" Requires="p14">
+  <mc:AlternateContent xmlns:mc="http://schemas.openxmlformats.org/markup-compatibility/2006" xmlns:p14="http://schemas.microsoft.com/office/powerpoint/2010/main">
+    <mc:Choice Requires="p14">
       <p:transition spd="slow" p14:dur="2000"/>
     </mc:Choice>
-    <mc:Fallback>
+    <mc:Fallback xmlns="">
       <p:transition spd="slow"/>
     </mc:Fallback>
   </mc:AlternateContent>
@@ -22882,12 +22896,8 @@
               <a:buChar char="•"/>
             </a:pPr>
             <a:r>
-              <a:rPr lang="de-DE" sz="2400" dirty="0" err="1" smtClean="0"/>
-              <a:t>Used</a:t>
-            </a:r>
-            <a:r>
               <a:rPr lang="de-DE" sz="2400" dirty="0" smtClean="0"/>
-              <a:t> </a:t>
+              <a:t>Used </a:t>
             </a:r>
             <a:r>
               <a:rPr lang="de-DE" sz="2400" dirty="0" err="1" smtClean="0"/>
@@ -22973,11 +22983,11 @@
   <p:clrMapOvr>
     <a:masterClrMapping/>
   </p:clrMapOvr>
-  <mc:AlternateContent xmlns:mc="http://schemas.openxmlformats.org/markup-compatibility/2006">
-    <mc:Choice xmlns:p14="http://schemas.microsoft.com/office/powerpoint/2010/main" Requires="p14">
+  <mc:AlternateContent xmlns:mc="http://schemas.openxmlformats.org/markup-compatibility/2006" xmlns:p14="http://schemas.microsoft.com/office/powerpoint/2010/main">
+    <mc:Choice Requires="p14">
       <p:transition spd="slow" p14:dur="2000"/>
     </mc:Choice>
-    <mc:Fallback>
+    <mc:Fallback xmlns="">
       <p:transition spd="slow"/>
     </mc:Fallback>
   </mc:AlternateContent>
@@ -23149,8 +23159,8 @@
           </a:p>
         </p:txBody>
       </p:sp>
-      <mc:AlternateContent xmlns:mc="http://schemas.openxmlformats.org/markup-compatibility/2006">
-        <mc:Choice xmlns:a14="http://schemas.microsoft.com/office/drawing/2010/main" Requires="a14">
+      <mc:AlternateContent xmlns:mc="http://schemas.openxmlformats.org/markup-compatibility/2006" xmlns:a14="http://schemas.microsoft.com/office/drawing/2010/main">
+        <mc:Choice Requires="a14">
           <p:sp>
             <p:nvSpPr>
               <p:cNvPr id="9" name="Rechteck 8"/>
@@ -23295,7 +23305,7 @@
             </p:txBody>
           </p:sp>
         </mc:Choice>
-        <mc:Fallback>
+        <mc:Fallback xmlns="">
           <p:sp>
             <p:nvSpPr>
               <p:cNvPr id="9" name="Rechteck 8"/>
@@ -23334,8 +23344,8 @@
           </p:sp>
         </mc:Fallback>
       </mc:AlternateContent>
-      <mc:AlternateContent xmlns:mc="http://schemas.openxmlformats.org/markup-compatibility/2006">
-        <mc:Choice xmlns:a14="http://schemas.microsoft.com/office/drawing/2010/main" Requires="a14">
+      <mc:AlternateContent xmlns:mc="http://schemas.openxmlformats.org/markup-compatibility/2006" xmlns:a14="http://schemas.microsoft.com/office/drawing/2010/main">
+        <mc:Choice Requires="a14">
           <p:sp>
             <p:nvSpPr>
               <p:cNvPr id="10" name="Rechteck 9"/>
@@ -23900,7 +23910,7 @@
             </p:txBody>
           </p:sp>
         </mc:Choice>
-        <mc:Fallback>
+        <mc:Fallback xmlns="">
           <p:sp>
             <p:nvSpPr>
               <p:cNvPr id="10" name="Rechteck 9"/>
@@ -23939,8 +23949,8 @@
           </p:sp>
         </mc:Fallback>
       </mc:AlternateContent>
-      <mc:AlternateContent xmlns:mc="http://schemas.openxmlformats.org/markup-compatibility/2006">
-        <mc:Choice xmlns:a14="http://schemas.microsoft.com/office/drawing/2010/main" Requires="a14">
+      <mc:AlternateContent xmlns:mc="http://schemas.openxmlformats.org/markup-compatibility/2006" xmlns:a14="http://schemas.microsoft.com/office/drawing/2010/main">
+        <mc:Choice Requires="a14">
           <p:sp>
             <p:nvSpPr>
               <p:cNvPr id="11" name="Rechteck 10"/>
@@ -24230,7 +24240,7 @@
             </p:txBody>
           </p:sp>
         </mc:Choice>
-        <mc:Fallback>
+        <mc:Fallback xmlns="">
           <p:sp>
             <p:nvSpPr>
               <p:cNvPr id="11" name="Rechteck 10"/>
@@ -24279,11 +24289,11 @@
   <p:clrMapOvr>
     <a:masterClrMapping/>
   </p:clrMapOvr>
-  <mc:AlternateContent xmlns:mc="http://schemas.openxmlformats.org/markup-compatibility/2006">
-    <mc:Choice xmlns:p14="http://schemas.microsoft.com/office/powerpoint/2010/main" Requires="p14">
+  <mc:AlternateContent xmlns:mc="http://schemas.openxmlformats.org/markup-compatibility/2006" xmlns:p14="http://schemas.microsoft.com/office/powerpoint/2010/main">
+    <mc:Choice Requires="p14">
       <p:transition p14:dur="10"/>
     </mc:Choice>
-    <mc:Fallback>
+    <mc:Fallback xmlns="">
       <p:transition/>
     </mc:Fallback>
   </mc:AlternateContent>
